--- a/python/presentations/read_write_data/11_create_netcdf_python.pptx
+++ b/python/presentations/read_write_data/11_create_netcdf_python.pptx
@@ -448,7 +448,7 @@
         <p:nvSpPr>
           <p:cNvPr id="7173" name="Rectangle 4"/>
           <p:cNvSpPr>
-            <a:spLocks noGrp="1" noChangeArrowheads="1"/>
+            <a:spLocks noGrp="1" noRot="1" noChangeAspect="1" noChangeArrowheads="1"/>
           </p:cNvSpPr>
           <p:nvPr>
             <p:ph type="sldImg"/>
@@ -1248,7 +1248,7 @@
         <p:nvSpPr>
           <p:cNvPr id="10243" name="Rectangle 1"/>
           <p:cNvSpPr>
-            <a:spLocks noChangeArrowheads="1" noTextEdit="1"/>
+            <a:spLocks noGrp="1" noRot="1" noChangeAspect="1" noChangeArrowheads="1" noTextEdit="1"/>
           </p:cNvSpPr>
           <p:nvPr>
             <p:ph type="sldImg"/>
@@ -1280,7 +1280,7 @@
         <p:nvSpPr>
           <p:cNvPr id="10244" name="Rectangle 2"/>
           <p:cNvSpPr>
-            <a:spLocks noChangeArrowheads="1"/>
+            <a:spLocks noGrp="1" noChangeArrowheads="1"/>
           </p:cNvSpPr>
           <p:nvPr>
             <p:ph type="body" idx="1"/>
@@ -1701,7 +1701,7 @@
         <p:nvSpPr>
           <p:cNvPr id="30723" name="Rectangle 1"/>
           <p:cNvSpPr>
-            <a:spLocks noChangeArrowheads="1" noTextEdit="1"/>
+            <a:spLocks noGrp="1" noRot="1" noChangeAspect="1" noChangeArrowheads="1" noTextEdit="1"/>
           </p:cNvSpPr>
           <p:nvPr>
             <p:ph type="sldImg"/>
@@ -1733,7 +1733,7 @@
         <p:nvSpPr>
           <p:cNvPr id="30724" name="Rectangle 2"/>
           <p:cNvSpPr>
-            <a:spLocks noChangeArrowheads="1"/>
+            <a:spLocks noGrp="1" noChangeArrowheads="1"/>
           </p:cNvSpPr>
           <p:nvPr>
             <p:ph type="body" idx="1"/>
@@ -2154,7 +2154,7 @@
         <p:nvSpPr>
           <p:cNvPr id="32771" name="Rectangle 1"/>
           <p:cNvSpPr>
-            <a:spLocks noChangeArrowheads="1" noTextEdit="1"/>
+            <a:spLocks noGrp="1" noRot="1" noChangeAspect="1" noChangeArrowheads="1" noTextEdit="1"/>
           </p:cNvSpPr>
           <p:nvPr>
             <p:ph type="sldImg"/>
@@ -2186,7 +2186,7 @@
         <p:nvSpPr>
           <p:cNvPr id="32772" name="Rectangle 2"/>
           <p:cNvSpPr>
-            <a:spLocks noChangeArrowheads="1"/>
+            <a:spLocks noGrp="1" noChangeArrowheads="1"/>
           </p:cNvSpPr>
           <p:nvPr>
             <p:ph type="body" idx="1"/>
@@ -2607,7 +2607,7 @@
         <p:nvSpPr>
           <p:cNvPr id="34819" name="Rectangle 1"/>
           <p:cNvSpPr>
-            <a:spLocks noChangeArrowheads="1" noTextEdit="1"/>
+            <a:spLocks noGrp="1" noRot="1" noChangeAspect="1" noChangeArrowheads="1" noTextEdit="1"/>
           </p:cNvSpPr>
           <p:nvPr>
             <p:ph type="sldImg"/>
@@ -2639,7 +2639,7 @@
         <p:nvSpPr>
           <p:cNvPr id="34820" name="Rectangle 2"/>
           <p:cNvSpPr>
-            <a:spLocks noChangeArrowheads="1"/>
+            <a:spLocks noGrp="1" noChangeArrowheads="1"/>
           </p:cNvSpPr>
           <p:nvPr>
             <p:ph type="body" idx="1"/>
@@ -3060,7 +3060,7 @@
         <p:nvSpPr>
           <p:cNvPr id="36867" name="Rectangle 1"/>
           <p:cNvSpPr>
-            <a:spLocks noChangeArrowheads="1" noTextEdit="1"/>
+            <a:spLocks noGrp="1" noRot="1" noChangeAspect="1" noChangeArrowheads="1" noTextEdit="1"/>
           </p:cNvSpPr>
           <p:nvPr>
             <p:ph type="sldImg"/>
@@ -3092,7 +3092,7 @@
         <p:nvSpPr>
           <p:cNvPr id="36868" name="Rectangle 2"/>
           <p:cNvSpPr>
-            <a:spLocks noChangeArrowheads="1"/>
+            <a:spLocks noGrp="1" noChangeArrowheads="1"/>
           </p:cNvSpPr>
           <p:nvPr>
             <p:ph type="body" idx="1"/>
@@ -3513,7 +3513,7 @@
         <p:nvSpPr>
           <p:cNvPr id="38915" name="Rectangle 1"/>
           <p:cNvSpPr>
-            <a:spLocks noChangeArrowheads="1" noTextEdit="1"/>
+            <a:spLocks noGrp="1" noRot="1" noChangeAspect="1" noChangeArrowheads="1" noTextEdit="1"/>
           </p:cNvSpPr>
           <p:nvPr>
             <p:ph type="sldImg"/>
@@ -3545,7 +3545,7 @@
         <p:nvSpPr>
           <p:cNvPr id="38916" name="Text Box 2"/>
           <p:cNvSpPr>
-            <a:spLocks noChangeArrowheads="1"/>
+            <a:spLocks noGrp="1" noChangeArrowheads="1"/>
           </p:cNvSpPr>
           <p:nvPr>
             <p:ph type="body" idx="1"/>
@@ -4413,7 +4413,7 @@
         <p:nvSpPr>
           <p:cNvPr id="40963" name="Rectangle 1"/>
           <p:cNvSpPr>
-            <a:spLocks noChangeArrowheads="1" noTextEdit="1"/>
+            <a:spLocks noGrp="1" noRot="1" noChangeAspect="1" noChangeArrowheads="1" noTextEdit="1"/>
           </p:cNvSpPr>
           <p:nvPr>
             <p:ph type="sldImg"/>
@@ -4445,7 +4445,7 @@
         <p:nvSpPr>
           <p:cNvPr id="40964" name="Rectangle 2"/>
           <p:cNvSpPr>
-            <a:spLocks noChangeArrowheads="1"/>
+            <a:spLocks noGrp="1" noChangeArrowheads="1"/>
           </p:cNvSpPr>
           <p:nvPr>
             <p:ph type="body" idx="1"/>
@@ -4866,7 +4866,7 @@
         <p:nvSpPr>
           <p:cNvPr id="43011" name="Rectangle 1"/>
           <p:cNvSpPr>
-            <a:spLocks noChangeArrowheads="1" noTextEdit="1"/>
+            <a:spLocks noGrp="1" noRot="1" noChangeAspect="1" noChangeArrowheads="1" noTextEdit="1"/>
           </p:cNvSpPr>
           <p:nvPr>
             <p:ph type="sldImg"/>
@@ -4898,7 +4898,7 @@
         <p:nvSpPr>
           <p:cNvPr id="43012" name="Rectangle 2"/>
           <p:cNvSpPr>
-            <a:spLocks noChangeArrowheads="1"/>
+            <a:spLocks noGrp="1" noChangeArrowheads="1"/>
           </p:cNvSpPr>
           <p:nvPr>
             <p:ph type="body" idx="1"/>
@@ -5319,7 +5319,7 @@
         <p:nvSpPr>
           <p:cNvPr id="46083" name="Rectangle 1"/>
           <p:cNvSpPr>
-            <a:spLocks noChangeArrowheads="1" noTextEdit="1"/>
+            <a:spLocks noGrp="1" noRot="1" noChangeAspect="1" noChangeArrowheads="1" noTextEdit="1"/>
           </p:cNvSpPr>
           <p:nvPr>
             <p:ph type="sldImg"/>
@@ -5351,7 +5351,7 @@
         <p:nvSpPr>
           <p:cNvPr id="46084" name="Rectangle 2"/>
           <p:cNvSpPr>
-            <a:spLocks noChangeArrowheads="1"/>
+            <a:spLocks noGrp="1" noChangeArrowheads="1"/>
           </p:cNvSpPr>
           <p:nvPr>
             <p:ph type="body" idx="1"/>
@@ -5772,7 +5772,7 @@
         <p:nvSpPr>
           <p:cNvPr id="14339" name="Rectangle 1"/>
           <p:cNvSpPr>
-            <a:spLocks noChangeArrowheads="1" noTextEdit="1"/>
+            <a:spLocks noGrp="1" noRot="1" noChangeAspect="1" noChangeArrowheads="1" noTextEdit="1"/>
           </p:cNvSpPr>
           <p:nvPr>
             <p:ph type="sldImg"/>
@@ -5804,7 +5804,7 @@
         <p:nvSpPr>
           <p:cNvPr id="14340" name="Rectangle 2"/>
           <p:cNvSpPr>
-            <a:spLocks noChangeArrowheads="1"/>
+            <a:spLocks noGrp="1" noChangeArrowheads="1"/>
           </p:cNvSpPr>
           <p:nvPr>
             <p:ph type="body" idx="1"/>
@@ -6225,7 +6225,7 @@
         <p:nvSpPr>
           <p:cNvPr id="16387" name="Rectangle 1"/>
           <p:cNvSpPr>
-            <a:spLocks noChangeArrowheads="1" noTextEdit="1"/>
+            <a:spLocks noGrp="1" noRot="1" noChangeAspect="1" noChangeArrowheads="1" noTextEdit="1"/>
           </p:cNvSpPr>
           <p:nvPr>
             <p:ph type="sldImg"/>
@@ -6257,7 +6257,7 @@
         <p:nvSpPr>
           <p:cNvPr id="16388" name="Rectangle 2"/>
           <p:cNvSpPr>
-            <a:spLocks noChangeArrowheads="1"/>
+            <a:spLocks noGrp="1" noChangeArrowheads="1"/>
           </p:cNvSpPr>
           <p:nvPr>
             <p:ph type="body" idx="1"/>
@@ -6678,7 +6678,7 @@
         <p:nvSpPr>
           <p:cNvPr id="18435" name="Rectangle 1"/>
           <p:cNvSpPr>
-            <a:spLocks noChangeArrowheads="1" noTextEdit="1"/>
+            <a:spLocks noGrp="1" noRot="1" noChangeAspect="1" noChangeArrowheads="1" noTextEdit="1"/>
           </p:cNvSpPr>
           <p:nvPr>
             <p:ph type="sldImg"/>
@@ -6710,7 +6710,7 @@
         <p:nvSpPr>
           <p:cNvPr id="18436" name="Rectangle 2"/>
           <p:cNvSpPr>
-            <a:spLocks noChangeArrowheads="1"/>
+            <a:spLocks noGrp="1" noChangeArrowheads="1"/>
           </p:cNvSpPr>
           <p:nvPr>
             <p:ph type="body" idx="1"/>
@@ -7131,7 +7131,7 @@
         <p:nvSpPr>
           <p:cNvPr id="20483" name="Rectangle 1"/>
           <p:cNvSpPr>
-            <a:spLocks noChangeArrowheads="1" noTextEdit="1"/>
+            <a:spLocks noGrp="1" noRot="1" noChangeAspect="1" noChangeArrowheads="1" noTextEdit="1"/>
           </p:cNvSpPr>
           <p:nvPr>
             <p:ph type="sldImg"/>
@@ -7163,7 +7163,7 @@
         <p:nvSpPr>
           <p:cNvPr id="20484" name="Rectangle 2"/>
           <p:cNvSpPr>
-            <a:spLocks noChangeArrowheads="1"/>
+            <a:spLocks noGrp="1" noChangeArrowheads="1"/>
           </p:cNvSpPr>
           <p:nvPr>
             <p:ph type="body" idx="1"/>
@@ -7584,7 +7584,7 @@
         <p:nvSpPr>
           <p:cNvPr id="22531" name="Rectangle 1"/>
           <p:cNvSpPr>
-            <a:spLocks noChangeArrowheads="1" noTextEdit="1"/>
+            <a:spLocks noGrp="1" noRot="1" noChangeAspect="1" noChangeArrowheads="1" noTextEdit="1"/>
           </p:cNvSpPr>
           <p:nvPr>
             <p:ph type="sldImg"/>
@@ -7616,7 +7616,7 @@
         <p:nvSpPr>
           <p:cNvPr id="22532" name="Rectangle 2"/>
           <p:cNvSpPr>
-            <a:spLocks noChangeArrowheads="1"/>
+            <a:spLocks noGrp="1" noChangeArrowheads="1"/>
           </p:cNvSpPr>
           <p:nvPr>
             <p:ph type="body" idx="1"/>
@@ -8037,7 +8037,7 @@
         <p:nvSpPr>
           <p:cNvPr id="24579" name="Rectangle 1"/>
           <p:cNvSpPr>
-            <a:spLocks noChangeArrowheads="1" noTextEdit="1"/>
+            <a:spLocks noGrp="1" noRot="1" noChangeAspect="1" noChangeArrowheads="1" noTextEdit="1"/>
           </p:cNvSpPr>
           <p:nvPr>
             <p:ph type="sldImg"/>
@@ -8069,7 +8069,7 @@
         <p:nvSpPr>
           <p:cNvPr id="24580" name="Rectangle 2"/>
           <p:cNvSpPr>
-            <a:spLocks noChangeArrowheads="1"/>
+            <a:spLocks noGrp="1" noChangeArrowheads="1"/>
           </p:cNvSpPr>
           <p:nvPr>
             <p:ph type="body" idx="1"/>
@@ -8490,7 +8490,7 @@
         <p:nvSpPr>
           <p:cNvPr id="26627" name="Rectangle 1"/>
           <p:cNvSpPr>
-            <a:spLocks noChangeArrowheads="1" noTextEdit="1"/>
+            <a:spLocks noGrp="1" noRot="1" noChangeAspect="1" noChangeArrowheads="1" noTextEdit="1"/>
           </p:cNvSpPr>
           <p:nvPr>
             <p:ph type="sldImg"/>
@@ -8522,7 +8522,7 @@
         <p:nvSpPr>
           <p:cNvPr id="26628" name="Rectangle 2"/>
           <p:cNvSpPr>
-            <a:spLocks noChangeArrowheads="1"/>
+            <a:spLocks noGrp="1" noChangeArrowheads="1"/>
           </p:cNvSpPr>
           <p:nvPr>
             <p:ph type="body" idx="1"/>
@@ -8943,7 +8943,7 @@
         <p:nvSpPr>
           <p:cNvPr id="28675" name="Rectangle 1"/>
           <p:cNvSpPr>
-            <a:spLocks noChangeArrowheads="1" noTextEdit="1"/>
+            <a:spLocks noGrp="1" noRot="1" noChangeAspect="1" noChangeArrowheads="1" noTextEdit="1"/>
           </p:cNvSpPr>
           <p:nvPr>
             <p:ph type="sldImg"/>
@@ -8975,7 +8975,7 @@
         <p:nvSpPr>
           <p:cNvPr id="28676" name="Rectangle 2"/>
           <p:cNvSpPr>
-            <a:spLocks noChangeArrowheads="1"/>
+            <a:spLocks noGrp="1" noChangeArrowheads="1"/>
           </p:cNvSpPr>
           <p:nvPr>
             <p:ph type="body" idx="1"/>
@@ -11001,7 +11001,27 @@
                 <a:latin typeface="+mn-lt"/>
                 <a:cs typeface="Calibri" panose="020F0502020204030204" pitchFamily="34" charset="0"/>
               </a:rPr>
-              <a:t>Ag Stephens and Andy Heap</a:t>
+              <a:t>Ag </a:t>
+            </a:r>
+            <a:r>
+              <a:rPr lang="en-GB" sz="1400" dirty="0" smtClean="0">
+                <a:solidFill>
+                  <a:schemeClr val="tx1"/>
+                </a:solidFill>
+                <a:latin typeface="+mn-lt"/>
+                <a:cs typeface="Calibri" panose="020F0502020204030204" pitchFamily="34" charset="0"/>
+              </a:rPr>
+              <a:t>Stephens, Andy Heap and </a:t>
+            </a:r>
+            <a:r>
+              <a:rPr lang="en-GB" sz="1400" smtClean="0">
+                <a:solidFill>
+                  <a:schemeClr val="tx1"/>
+                </a:solidFill>
+                <a:latin typeface="+mn-lt"/>
+                <a:cs typeface="Calibri" panose="020F0502020204030204" pitchFamily="34" charset="0"/>
+              </a:rPr>
+              <a:t>Tommy Godfrey.</a:t>
             </a:r>
             <a:endParaRPr lang="en-GB" sz="1400" dirty="0">
               <a:solidFill>
@@ -20507,7 +20527,17 @@
                 <a:latin typeface="Courier New" panose="02070309020205020404" pitchFamily="49" charset="0"/>
                 <a:cs typeface="Courier New" panose="02070309020205020404" pitchFamily="49" charset="0"/>
               </a:rPr>
-              <a:t>('time </a:t>
+              <a:t>('time values (in units): ', </a:t>
+            </a:r>
+            <a:r>
+              <a:rPr lang="en-US" altLang="en-US" dirty="0" err="1">
+                <a:solidFill>
+                  <a:srgbClr val="000000"/>
+                </a:solidFill>
+                <a:latin typeface="Courier New" panose="02070309020205020404" pitchFamily="49" charset="0"/>
+                <a:cs typeface="Courier New" panose="02070309020205020404" pitchFamily="49" charset="0"/>
+              </a:rPr>
+              <a:t>times.units</a:t>
             </a:r>
             <a:r>
               <a:rPr lang="en-US" altLang="en-US" dirty="0">
@@ -20517,7 +20547,37 @@
                 <a:latin typeface="Courier New" panose="02070309020205020404" pitchFamily="49" charset="0"/>
                 <a:cs typeface="Courier New" panose="02070309020205020404" pitchFamily="49" charset="0"/>
               </a:rPr>
-              <a:t>values (in units): </a:t>
+              <a:t>)</a:t>
+            </a:r>
+          </a:p>
+          <a:p>
+            <a:pPr eaLnBrk="1" hangingPunct="1">
+              <a:buSzPct val="100000"/>
+              <a:tabLst>
+                <a:tab pos="0" algn="l"/>
+                <a:tab pos="914400" algn="l"/>
+                <a:tab pos="1828800" algn="l"/>
+                <a:tab pos="2743200" algn="l"/>
+                <a:tab pos="3657600" algn="l"/>
+                <a:tab pos="4572000" algn="l"/>
+                <a:tab pos="5486400" algn="l"/>
+                <a:tab pos="6400800" algn="l"/>
+                <a:tab pos="7315200" algn="l"/>
+                <a:tab pos="8229600" algn="l"/>
+                <a:tab pos="9144000" algn="l"/>
+                <a:tab pos="10058400" algn="l"/>
+              </a:tabLst>
+              <a:defRPr/>
+            </a:pPr>
+            <a:r>
+              <a:rPr lang="en-US" altLang="en-US" b="1" dirty="0">
+                <a:solidFill>
+                  <a:srgbClr val="000000"/>
+                </a:solidFill>
+                <a:latin typeface="Courier New" panose="02070309020205020404" pitchFamily="49" charset="0"/>
+                <a:cs typeface="Courier New" panose="02070309020205020404" pitchFamily="49" charset="0"/>
+              </a:rPr>
+              <a:t>&gt;&gt;&gt;</a:t>
             </a:r>
             <a:r>
               <a:rPr lang="en-US" altLang="en-US" dirty="0">
@@ -20527,17 +20587,17 @@
                 <a:latin typeface="Courier New" panose="02070309020205020404" pitchFamily="49" charset="0"/>
                 <a:cs typeface="Courier New" panose="02070309020205020404" pitchFamily="49" charset="0"/>
               </a:rPr>
-              <a:t>', </a:t>
-            </a:r>
-            <a:r>
-              <a:rPr lang="en-US" altLang="en-US" dirty="0" err="1">
-                <a:solidFill>
-                  <a:srgbClr val="000000"/>
-                </a:solidFill>
-                <a:latin typeface="Courier New" panose="02070309020205020404" pitchFamily="49" charset="0"/>
-                <a:cs typeface="Courier New" panose="02070309020205020404" pitchFamily="49" charset="0"/>
-              </a:rPr>
-              <a:t>times.units</a:t>
+              <a:t> </a:t>
+            </a:r>
+            <a:r>
+              <a:rPr lang="en-US" altLang="en-US" b="1" dirty="0">
+                <a:solidFill>
+                  <a:srgbClr val="000000"/>
+                </a:solidFill>
+                <a:latin typeface="Courier New" panose="02070309020205020404" pitchFamily="49" charset="0"/>
+                <a:cs typeface="Courier New" panose="02070309020205020404" pitchFamily="49" charset="0"/>
+              </a:rPr>
+              <a:t>print</a:t>
             </a:r>
             <a:r>
               <a:rPr lang="en-US" altLang="en-US" dirty="0">
@@ -20547,8 +20607,28 @@
                 <a:latin typeface="Courier New" panose="02070309020205020404" pitchFamily="49" charset="0"/>
                 <a:cs typeface="Courier New" panose="02070309020205020404" pitchFamily="49" charset="0"/>
               </a:rPr>
-              <a:t>)</a:t>
-            </a:r>
+              <a:t>(times[:])</a:t>
+            </a:r>
+          </a:p>
+          <a:p>
+            <a:pPr eaLnBrk="1" hangingPunct="1">
+              <a:buSzPct val="100000"/>
+              <a:tabLst>
+                <a:tab pos="0" algn="l"/>
+                <a:tab pos="914400" algn="l"/>
+                <a:tab pos="1828800" algn="l"/>
+                <a:tab pos="2743200" algn="l"/>
+                <a:tab pos="3657600" algn="l"/>
+                <a:tab pos="4572000" algn="l"/>
+                <a:tab pos="5486400" algn="l"/>
+                <a:tab pos="6400800" algn="l"/>
+                <a:tab pos="7315200" algn="l"/>
+                <a:tab pos="8229600" algn="l"/>
+                <a:tab pos="9144000" algn="l"/>
+                <a:tab pos="10058400" algn="l"/>
+              </a:tabLst>
+              <a:defRPr/>
+            </a:pPr>
             <a:endParaRPr lang="en-US" altLang="en-US" dirty="0">
               <a:solidFill>
                 <a:srgbClr val="000000"/>
@@ -20577,45 +20657,65 @@
               <a:defRPr/>
             </a:pPr>
             <a:r>
-              <a:rPr lang="en-US" altLang="en-US" b="1" dirty="0">
-                <a:solidFill>
-                  <a:srgbClr val="000000"/>
-                </a:solidFill>
-                <a:latin typeface="Courier New" panose="02070309020205020404" pitchFamily="49" charset="0"/>
-                <a:cs typeface="Courier New" panose="02070309020205020404" pitchFamily="49" charset="0"/>
-              </a:rPr>
-              <a:t>&gt;&gt;&gt;</a:t>
-            </a:r>
-            <a:r>
-              <a:rPr lang="en-US" altLang="en-US" dirty="0">
-                <a:solidFill>
-                  <a:srgbClr val="000000"/>
-                </a:solidFill>
-                <a:latin typeface="Courier New" panose="02070309020205020404" pitchFamily="49" charset="0"/>
-                <a:cs typeface="Courier New" panose="02070309020205020404" pitchFamily="49" charset="0"/>
-              </a:rPr>
-              <a:t> </a:t>
-            </a:r>
-            <a:r>
-              <a:rPr lang="en-US" altLang="en-US" b="1" dirty="0">
-                <a:solidFill>
-                  <a:srgbClr val="000000"/>
-                </a:solidFill>
-                <a:latin typeface="Courier New" panose="02070309020205020404" pitchFamily="49" charset="0"/>
-                <a:cs typeface="Courier New" panose="02070309020205020404" pitchFamily="49" charset="0"/>
-              </a:rPr>
-              <a:t>print</a:t>
-            </a:r>
-            <a:r>
-              <a:rPr lang="en-US" altLang="en-US" dirty="0">
-                <a:solidFill>
-                  <a:srgbClr val="000000"/>
-                </a:solidFill>
-                <a:latin typeface="Courier New" panose="02070309020205020404" pitchFamily="49" charset="0"/>
-                <a:cs typeface="Courier New" panose="02070309020205020404" pitchFamily="49" charset="0"/>
-              </a:rPr>
-              <a:t>(times[:])</a:t>
-            </a:r>
+              <a:rPr lang="en-US" altLang="en-US" i="1" dirty="0">
+                <a:solidFill>
+                  <a:srgbClr val="336600"/>
+                </a:solidFill>
+                <a:latin typeface="Courier New" panose="02070309020205020404" pitchFamily="49" charset="0"/>
+                <a:cs typeface="Courier New" panose="02070309020205020404" pitchFamily="49" charset="0"/>
+              </a:rPr>
+              <a:t>time values (in units): hours since 0001-01-01 00:00:00.0</a:t>
+            </a:r>
+          </a:p>
+          <a:p>
+            <a:pPr eaLnBrk="1" hangingPunct="1">
+              <a:buSzPct val="100000"/>
+              <a:tabLst>
+                <a:tab pos="0" algn="l"/>
+                <a:tab pos="914400" algn="l"/>
+                <a:tab pos="1828800" algn="l"/>
+                <a:tab pos="2743200" algn="l"/>
+                <a:tab pos="3657600" algn="l"/>
+                <a:tab pos="4572000" algn="l"/>
+                <a:tab pos="5486400" algn="l"/>
+                <a:tab pos="6400800" algn="l"/>
+                <a:tab pos="7315200" algn="l"/>
+                <a:tab pos="8229600" algn="l"/>
+                <a:tab pos="9144000" algn="l"/>
+                <a:tab pos="10058400" algn="l"/>
+              </a:tabLst>
+              <a:defRPr/>
+            </a:pPr>
+            <a:r>
+              <a:rPr lang="en-US" altLang="en-US" i="1" dirty="0">
+                <a:solidFill>
+                  <a:srgbClr val="336600"/>
+                </a:solidFill>
+                <a:latin typeface="Courier New" panose="02070309020205020404" pitchFamily="49" charset="0"/>
+                <a:cs typeface="Courier New" panose="02070309020205020404" pitchFamily="49" charset="0"/>
+              </a:rPr>
+              <a:t>[ 17533104. 17533116. 17533128. 17533140. 17533152.]</a:t>
+            </a:r>
+          </a:p>
+          <a:p>
+            <a:pPr eaLnBrk="1" hangingPunct="1">
+              <a:buSzPct val="100000"/>
+              <a:tabLst>
+                <a:tab pos="0" algn="l"/>
+                <a:tab pos="914400" algn="l"/>
+                <a:tab pos="1828800" algn="l"/>
+                <a:tab pos="2743200" algn="l"/>
+                <a:tab pos="3657600" algn="l"/>
+                <a:tab pos="4572000" algn="l"/>
+                <a:tab pos="5486400" algn="l"/>
+                <a:tab pos="6400800" algn="l"/>
+                <a:tab pos="7315200" algn="l"/>
+                <a:tab pos="8229600" algn="l"/>
+                <a:tab pos="9144000" algn="l"/>
+                <a:tab pos="10058400" algn="l"/>
+              </a:tabLst>
+              <a:defRPr/>
+            </a:pPr>
             <a:endParaRPr lang="en-US" altLang="en-US" dirty="0">
               <a:solidFill>
                 <a:srgbClr val="000000"/>
@@ -20671,14 +20771,44 @@
               <a:defRPr/>
             </a:pPr>
             <a:r>
-              <a:rPr lang="en-US" altLang="en-US" i="1" dirty="0">
-                <a:solidFill>
-                  <a:srgbClr val="336600"/>
-                </a:solidFill>
-                <a:latin typeface="Courier New" panose="02070309020205020404" pitchFamily="49" charset="0"/>
-                <a:cs typeface="Courier New" panose="02070309020205020404" pitchFamily="49" charset="0"/>
-              </a:rPr>
-              <a:t>time values (in units): hours since 0001-01-01 00:00:00.0</a:t>
+              <a:rPr lang="en-US" altLang="en-US" b="1" dirty="0">
+                <a:solidFill>
+                  <a:srgbClr val="000000"/>
+                </a:solidFill>
+                <a:latin typeface="Courier New" panose="02070309020205020404" pitchFamily="49" charset="0"/>
+                <a:cs typeface="Courier New" panose="02070309020205020404" pitchFamily="49" charset="0"/>
+              </a:rPr>
+              <a:t>&gt;&gt;&gt;</a:t>
+            </a:r>
+            <a:r>
+              <a:rPr lang="en-US" altLang="en-US" dirty="0">
+                <a:solidFill>
+                  <a:srgbClr val="000000"/>
+                </a:solidFill>
+                <a:latin typeface="Courier New" panose="02070309020205020404" pitchFamily="49" charset="0"/>
+                <a:cs typeface="Courier New" panose="02070309020205020404" pitchFamily="49" charset="0"/>
+              </a:rPr>
+              <a:t> </a:t>
+            </a:r>
+            <a:r>
+              <a:rPr lang="en-US" altLang="en-US" b="1" dirty="0">
+                <a:solidFill>
+                  <a:srgbClr val="000000"/>
+                </a:solidFill>
+                <a:latin typeface="Courier New" panose="02070309020205020404" pitchFamily="49" charset="0"/>
+                <a:cs typeface="Courier New" panose="02070309020205020404" pitchFamily="49" charset="0"/>
+              </a:rPr>
+              <a:t>print</a:t>
+            </a:r>
+            <a:r>
+              <a:rPr lang="en-US" altLang="en-US" dirty="0">
+                <a:solidFill>
+                  <a:srgbClr val="000000"/>
+                </a:solidFill>
+                <a:latin typeface="Courier New" panose="02070309020205020404" pitchFamily="49" charset="0"/>
+                <a:cs typeface="Courier New" panose="02070309020205020404" pitchFamily="49" charset="0"/>
+              </a:rPr>
+              <a:t>('dates corresponding to time values:')</a:t>
             </a:r>
           </a:p>
           <a:p>
@@ -20701,90 +20831,6 @@
               <a:defRPr/>
             </a:pPr>
             <a:r>
-              <a:rPr lang="en-US" altLang="en-US" i="1" dirty="0">
-                <a:solidFill>
-                  <a:srgbClr val="336600"/>
-                </a:solidFill>
-                <a:latin typeface="Courier New" panose="02070309020205020404" pitchFamily="49" charset="0"/>
-                <a:cs typeface="Courier New" panose="02070309020205020404" pitchFamily="49" charset="0"/>
-              </a:rPr>
-              <a:t>[ 17533104. 17533116. 17533128. 17533140. 17533152.]</a:t>
-            </a:r>
-          </a:p>
-          <a:p>
-            <a:pPr eaLnBrk="1" hangingPunct="1">
-              <a:buSzPct val="100000"/>
-              <a:tabLst>
-                <a:tab pos="0" algn="l"/>
-                <a:tab pos="914400" algn="l"/>
-                <a:tab pos="1828800" algn="l"/>
-                <a:tab pos="2743200" algn="l"/>
-                <a:tab pos="3657600" algn="l"/>
-                <a:tab pos="4572000" algn="l"/>
-                <a:tab pos="5486400" algn="l"/>
-                <a:tab pos="6400800" algn="l"/>
-                <a:tab pos="7315200" algn="l"/>
-                <a:tab pos="8229600" algn="l"/>
-                <a:tab pos="9144000" algn="l"/>
-                <a:tab pos="10058400" algn="l"/>
-              </a:tabLst>
-              <a:defRPr/>
-            </a:pPr>
-            <a:endParaRPr lang="en-US" altLang="en-US" dirty="0">
-              <a:solidFill>
-                <a:srgbClr val="000000"/>
-              </a:solidFill>
-              <a:latin typeface="Courier New" panose="02070309020205020404" pitchFamily="49" charset="0"/>
-              <a:cs typeface="Courier New" panose="02070309020205020404" pitchFamily="49" charset="0"/>
-            </a:endParaRPr>
-          </a:p>
-          <a:p>
-            <a:pPr eaLnBrk="1" hangingPunct="1">
-              <a:buSzPct val="100000"/>
-              <a:tabLst>
-                <a:tab pos="0" algn="l"/>
-                <a:tab pos="914400" algn="l"/>
-                <a:tab pos="1828800" algn="l"/>
-                <a:tab pos="2743200" algn="l"/>
-                <a:tab pos="3657600" algn="l"/>
-                <a:tab pos="4572000" algn="l"/>
-                <a:tab pos="5486400" algn="l"/>
-                <a:tab pos="6400800" algn="l"/>
-                <a:tab pos="7315200" algn="l"/>
-                <a:tab pos="8229600" algn="l"/>
-                <a:tab pos="9144000" algn="l"/>
-                <a:tab pos="10058400" algn="l"/>
-              </a:tabLst>
-              <a:defRPr/>
-            </a:pPr>
-            <a:endParaRPr lang="en-US" altLang="en-US" dirty="0">
-              <a:solidFill>
-                <a:srgbClr val="000000"/>
-              </a:solidFill>
-              <a:latin typeface="Courier New" panose="02070309020205020404" pitchFamily="49" charset="0"/>
-              <a:cs typeface="Courier New" panose="02070309020205020404" pitchFamily="49" charset="0"/>
-            </a:endParaRPr>
-          </a:p>
-          <a:p>
-            <a:pPr eaLnBrk="1" hangingPunct="1">
-              <a:buSzPct val="100000"/>
-              <a:tabLst>
-                <a:tab pos="0" algn="l"/>
-                <a:tab pos="914400" algn="l"/>
-                <a:tab pos="1828800" algn="l"/>
-                <a:tab pos="2743200" algn="l"/>
-                <a:tab pos="3657600" algn="l"/>
-                <a:tab pos="4572000" algn="l"/>
-                <a:tab pos="5486400" algn="l"/>
-                <a:tab pos="6400800" algn="l"/>
-                <a:tab pos="7315200" algn="l"/>
-                <a:tab pos="8229600" algn="l"/>
-                <a:tab pos="9144000" algn="l"/>
-                <a:tab pos="10058400" algn="l"/>
-              </a:tabLst>
-              <a:defRPr/>
-            </a:pPr>
-            <a:r>
               <a:rPr lang="en-US" altLang="en-US" b="1" dirty="0">
                 <a:solidFill>
                   <a:srgbClr val="000000"/>
@@ -20822,7 +20868,17 @@
                 <a:latin typeface="Courier New" panose="02070309020205020404" pitchFamily="49" charset="0"/>
                 <a:cs typeface="Courier New" panose="02070309020205020404" pitchFamily="49" charset="0"/>
               </a:rPr>
-              <a:t>('dates </a:t>
+              <a:t>(num2date(times[:], units=</a:t>
+            </a:r>
+            <a:r>
+              <a:rPr lang="en-US" altLang="en-US" dirty="0" err="1">
+                <a:solidFill>
+                  <a:srgbClr val="000000"/>
+                </a:solidFill>
+                <a:latin typeface="Courier New" panose="02070309020205020404" pitchFamily="49" charset="0"/>
+                <a:cs typeface="Courier New" panose="02070309020205020404" pitchFamily="49" charset="0"/>
+              </a:rPr>
+              <a:t>times.units</a:t>
             </a:r>
             <a:r>
               <a:rPr lang="en-US" altLang="en-US" dirty="0">
@@ -20832,7 +20888,17 @@
                 <a:latin typeface="Courier New" panose="02070309020205020404" pitchFamily="49" charset="0"/>
                 <a:cs typeface="Courier New" panose="02070309020205020404" pitchFamily="49" charset="0"/>
               </a:rPr>
-              <a:t>corresponding to time values</a:t>
+              <a:t>, calendar=</a:t>
+            </a:r>
+            <a:r>
+              <a:rPr lang="en-US" altLang="en-US" dirty="0" err="1">
+                <a:solidFill>
+                  <a:srgbClr val="000000"/>
+                </a:solidFill>
+                <a:latin typeface="Courier New" panose="02070309020205020404" pitchFamily="49" charset="0"/>
+                <a:cs typeface="Courier New" panose="02070309020205020404" pitchFamily="49" charset="0"/>
+              </a:rPr>
+              <a:t>times.calendar</a:t>
             </a:r>
             <a:r>
               <a:rPr lang="en-US" altLang="en-US" dirty="0">
@@ -20842,132 +20908,8 @@
                 <a:latin typeface="Courier New" panose="02070309020205020404" pitchFamily="49" charset="0"/>
                 <a:cs typeface="Courier New" panose="02070309020205020404" pitchFamily="49" charset="0"/>
               </a:rPr>
-              <a:t>:')</a:t>
-            </a:r>
-            <a:endParaRPr lang="en-US" altLang="en-US" dirty="0">
-              <a:solidFill>
-                <a:srgbClr val="000000"/>
-              </a:solidFill>
-              <a:latin typeface="Courier New" panose="02070309020205020404" pitchFamily="49" charset="0"/>
-              <a:cs typeface="Courier New" panose="02070309020205020404" pitchFamily="49" charset="0"/>
-            </a:endParaRPr>
-          </a:p>
-          <a:p>
-            <a:pPr eaLnBrk="1" hangingPunct="1">
-              <a:buSzPct val="100000"/>
-              <a:tabLst>
-                <a:tab pos="0" algn="l"/>
-                <a:tab pos="914400" algn="l"/>
-                <a:tab pos="1828800" algn="l"/>
-                <a:tab pos="2743200" algn="l"/>
-                <a:tab pos="3657600" algn="l"/>
-                <a:tab pos="4572000" algn="l"/>
-                <a:tab pos="5486400" algn="l"/>
-                <a:tab pos="6400800" algn="l"/>
-                <a:tab pos="7315200" algn="l"/>
-                <a:tab pos="8229600" algn="l"/>
-                <a:tab pos="9144000" algn="l"/>
-                <a:tab pos="10058400" algn="l"/>
-              </a:tabLst>
-              <a:defRPr/>
-            </a:pPr>
-            <a:r>
-              <a:rPr lang="en-US" altLang="en-US" b="1" dirty="0">
-                <a:solidFill>
-                  <a:srgbClr val="000000"/>
-                </a:solidFill>
-                <a:latin typeface="Courier New" panose="02070309020205020404" pitchFamily="49" charset="0"/>
-                <a:cs typeface="Courier New" panose="02070309020205020404" pitchFamily="49" charset="0"/>
-              </a:rPr>
-              <a:t>&gt;&gt;&gt;</a:t>
-            </a:r>
-            <a:r>
-              <a:rPr lang="en-US" altLang="en-US" dirty="0">
-                <a:solidFill>
-                  <a:srgbClr val="000000"/>
-                </a:solidFill>
-                <a:latin typeface="Courier New" panose="02070309020205020404" pitchFamily="49" charset="0"/>
-                <a:cs typeface="Courier New" panose="02070309020205020404" pitchFamily="49" charset="0"/>
-              </a:rPr>
-              <a:t> </a:t>
-            </a:r>
-            <a:r>
-              <a:rPr lang="en-US" altLang="en-US" b="1" dirty="0">
-                <a:solidFill>
-                  <a:srgbClr val="000000"/>
-                </a:solidFill>
-                <a:latin typeface="Courier New" panose="02070309020205020404" pitchFamily="49" charset="0"/>
-                <a:cs typeface="Courier New" panose="02070309020205020404" pitchFamily="49" charset="0"/>
-              </a:rPr>
-              <a:t>print</a:t>
-            </a:r>
-            <a:r>
-              <a:rPr lang="en-US" altLang="en-US" dirty="0">
-                <a:solidFill>
-                  <a:srgbClr val="000000"/>
-                </a:solidFill>
-                <a:latin typeface="Courier New" panose="02070309020205020404" pitchFamily="49" charset="0"/>
-                <a:cs typeface="Courier New" panose="02070309020205020404" pitchFamily="49" charset="0"/>
-              </a:rPr>
-              <a:t>(num2date(times</a:t>
-            </a:r>
-            <a:r>
-              <a:rPr lang="en-US" altLang="en-US" dirty="0">
-                <a:solidFill>
-                  <a:srgbClr val="000000"/>
-                </a:solidFill>
-                <a:latin typeface="Courier New" panose="02070309020205020404" pitchFamily="49" charset="0"/>
-                <a:cs typeface="Courier New" panose="02070309020205020404" pitchFamily="49" charset="0"/>
-              </a:rPr>
-              <a:t>[:], units=</a:t>
-            </a:r>
-            <a:r>
-              <a:rPr lang="en-US" altLang="en-US" dirty="0" err="1">
-                <a:solidFill>
-                  <a:srgbClr val="000000"/>
-                </a:solidFill>
-                <a:latin typeface="Courier New" panose="02070309020205020404" pitchFamily="49" charset="0"/>
-                <a:cs typeface="Courier New" panose="02070309020205020404" pitchFamily="49" charset="0"/>
-              </a:rPr>
-              <a:t>times.units</a:t>
-            </a:r>
-            <a:r>
-              <a:rPr lang="en-US" altLang="en-US" dirty="0">
-                <a:solidFill>
-                  <a:srgbClr val="000000"/>
-                </a:solidFill>
-                <a:latin typeface="Courier New" panose="02070309020205020404" pitchFamily="49" charset="0"/>
-                <a:cs typeface="Courier New" panose="02070309020205020404" pitchFamily="49" charset="0"/>
-              </a:rPr>
-              <a:t>, calendar=</a:t>
-            </a:r>
-            <a:r>
-              <a:rPr lang="en-US" altLang="en-US" dirty="0" err="1">
-                <a:solidFill>
-                  <a:srgbClr val="000000"/>
-                </a:solidFill>
-                <a:latin typeface="Courier New" panose="02070309020205020404" pitchFamily="49" charset="0"/>
-                <a:cs typeface="Courier New" panose="02070309020205020404" pitchFamily="49" charset="0"/>
-              </a:rPr>
-              <a:t>times.calendar</a:t>
-            </a:r>
-            <a:r>
-              <a:rPr lang="en-US" altLang="en-US" dirty="0">
-                <a:solidFill>
-                  <a:srgbClr val="000000"/>
-                </a:solidFill>
-                <a:latin typeface="Courier New" panose="02070309020205020404" pitchFamily="49" charset="0"/>
-                <a:cs typeface="Courier New" panose="02070309020205020404" pitchFamily="49" charset="0"/>
-              </a:rPr>
               <a:t>))</a:t>
             </a:r>
-            <a:endParaRPr lang="en-US" altLang="en-US" dirty="0">
-              <a:solidFill>
-                <a:srgbClr val="000000"/>
-              </a:solidFill>
-              <a:latin typeface="Courier New" panose="02070309020205020404" pitchFamily="49" charset="0"/>
-              <a:cs typeface="Courier New" panose="02070309020205020404" pitchFamily="49" charset="0"/>
-            </a:endParaRPr>
           </a:p>
           <a:p>
             <a:pPr eaLnBrk="1" hangingPunct="1">
@@ -26926,7 +26868,16 @@
                 </a:solidFill>
                 <a:latin typeface="+mj-lt"/>
               </a:rPr>
-              <a:t>We will have a variable called </a:t>
+              <a:t>We will have a variable called "time" later in the example so we will import the "time" library as "</a:t>
+            </a:r>
+            <a:r>
+              <a:rPr lang="en-GB" sz="2400" dirty="0" err="1">
+                <a:solidFill>
+                  <a:schemeClr val="tx1"/>
+                </a:solidFill>
+                <a:latin typeface="+mj-lt"/>
+              </a:rPr>
+              <a:t>mytime</a:t>
             </a:r>
             <a:r>
               <a:rPr lang="en-GB" sz="2400" dirty="0">
@@ -26935,70 +26886,7 @@
                 </a:solidFill>
                 <a:latin typeface="+mj-lt"/>
               </a:rPr>
-              <a:t>"time" </a:t>
-            </a:r>
-            <a:r>
-              <a:rPr lang="en-GB" sz="2400" dirty="0">
-                <a:solidFill>
-                  <a:schemeClr val="tx1"/>
-                </a:solidFill>
-                <a:latin typeface="+mj-lt"/>
-              </a:rPr>
-              <a:t>later in the example so we will import the </a:t>
-            </a:r>
-            <a:r>
-              <a:rPr lang="en-GB" sz="2400" dirty="0">
-                <a:solidFill>
-                  <a:schemeClr val="tx1"/>
-                </a:solidFill>
-                <a:latin typeface="+mj-lt"/>
-              </a:rPr>
-              <a:t>"time" </a:t>
-            </a:r>
-            <a:r>
-              <a:rPr lang="en-GB" sz="2400" dirty="0">
-                <a:solidFill>
-                  <a:schemeClr val="tx1"/>
-                </a:solidFill>
-                <a:latin typeface="+mj-lt"/>
-              </a:rPr>
-              <a:t>library as </a:t>
-            </a:r>
-            <a:r>
-              <a:rPr lang="en-GB" sz="2400" dirty="0">
-                <a:solidFill>
-                  <a:schemeClr val="tx1"/>
-                </a:solidFill>
-                <a:latin typeface="+mj-lt"/>
-              </a:rPr>
-              <a:t>"</a:t>
-            </a:r>
-            <a:r>
-              <a:rPr lang="en-GB" sz="2400" dirty="0" err="1">
-                <a:solidFill>
-                  <a:schemeClr val="tx1"/>
-                </a:solidFill>
-                <a:latin typeface="+mj-lt"/>
-              </a:rPr>
-              <a:t>mytime</a:t>
-            </a:r>
-            <a:r>
-              <a:rPr lang="en-GB" sz="2400" dirty="0">
-                <a:solidFill>
-                  <a:schemeClr val="tx1"/>
-                </a:solidFill>
-                <a:latin typeface="+mj-lt"/>
-              </a:rPr>
-              <a:t>" </a:t>
-            </a:r>
-            <a:r>
-              <a:rPr lang="en-GB" sz="2400" dirty="0">
-                <a:solidFill>
-                  <a:schemeClr val="tx1"/>
-                </a:solidFill>
-                <a:latin typeface="+mj-lt"/>
-              </a:rPr>
-              <a:t>here to avoid confusion.</a:t>
+              <a:t>" here to avoid confusion.</a:t>
             </a:r>
           </a:p>
         </p:txBody>
